--- a/소프트웨어전시회 발표/씨애랑_SW전시회.pptx
+++ b/소프트웨어전시회 발표/씨애랑_SW전시회.pptx
@@ -268,7 +268,7 @@
           <a:p>
             <a:fld id="{9B32EAF0-FF3A-4BDF-BCB7-82D6812D32E9}" type="datetimeFigureOut">
               <a:rPr lang="ko-KR" altLang="en-US" smtClean="0"/>
-              <a:t>2022-07-20</a:t>
+              <a:t>2022-07-22</a:t>
             </a:fld>
             <a:endParaRPr lang="ko-KR" altLang="en-US"/>
           </a:p>
@@ -466,7 +466,7 @@
           <a:p>
             <a:fld id="{9B32EAF0-FF3A-4BDF-BCB7-82D6812D32E9}" type="datetimeFigureOut">
               <a:rPr lang="ko-KR" altLang="en-US" smtClean="0"/>
-              <a:t>2022-07-20</a:t>
+              <a:t>2022-07-22</a:t>
             </a:fld>
             <a:endParaRPr lang="ko-KR" altLang="en-US"/>
           </a:p>
@@ -674,7 +674,7 @@
           <a:p>
             <a:fld id="{9B32EAF0-FF3A-4BDF-BCB7-82D6812D32E9}" type="datetimeFigureOut">
               <a:rPr lang="ko-KR" altLang="en-US" smtClean="0"/>
-              <a:t>2022-07-20</a:t>
+              <a:t>2022-07-22</a:t>
             </a:fld>
             <a:endParaRPr lang="ko-KR" altLang="en-US"/>
           </a:p>
@@ -872,7 +872,7 @@
           <a:p>
             <a:fld id="{9B32EAF0-FF3A-4BDF-BCB7-82D6812D32E9}" type="datetimeFigureOut">
               <a:rPr lang="ko-KR" altLang="en-US" smtClean="0"/>
-              <a:t>2022-07-20</a:t>
+              <a:t>2022-07-22</a:t>
             </a:fld>
             <a:endParaRPr lang="ko-KR" altLang="en-US"/>
           </a:p>
@@ -1147,7 +1147,7 @@
           <a:p>
             <a:fld id="{9B32EAF0-FF3A-4BDF-BCB7-82D6812D32E9}" type="datetimeFigureOut">
               <a:rPr lang="ko-KR" altLang="en-US" smtClean="0"/>
-              <a:t>2022-07-20</a:t>
+              <a:t>2022-07-22</a:t>
             </a:fld>
             <a:endParaRPr lang="ko-KR" altLang="en-US"/>
           </a:p>
@@ -1412,7 +1412,7 @@
           <a:p>
             <a:fld id="{9B32EAF0-FF3A-4BDF-BCB7-82D6812D32E9}" type="datetimeFigureOut">
               <a:rPr lang="ko-KR" altLang="en-US" smtClean="0"/>
-              <a:t>2022-07-20</a:t>
+              <a:t>2022-07-22</a:t>
             </a:fld>
             <a:endParaRPr lang="ko-KR" altLang="en-US"/>
           </a:p>
@@ -1824,7 +1824,7 @@
           <a:p>
             <a:fld id="{9B32EAF0-FF3A-4BDF-BCB7-82D6812D32E9}" type="datetimeFigureOut">
               <a:rPr lang="ko-KR" altLang="en-US" smtClean="0"/>
-              <a:t>2022-07-20</a:t>
+              <a:t>2022-07-22</a:t>
             </a:fld>
             <a:endParaRPr lang="ko-KR" altLang="en-US"/>
           </a:p>
@@ -1965,7 +1965,7 @@
           <a:p>
             <a:fld id="{9B32EAF0-FF3A-4BDF-BCB7-82D6812D32E9}" type="datetimeFigureOut">
               <a:rPr lang="ko-KR" altLang="en-US" smtClean="0"/>
-              <a:t>2022-07-20</a:t>
+              <a:t>2022-07-22</a:t>
             </a:fld>
             <a:endParaRPr lang="ko-KR" altLang="en-US"/>
           </a:p>
@@ -2078,7 +2078,7 @@
           <a:p>
             <a:fld id="{9B32EAF0-FF3A-4BDF-BCB7-82D6812D32E9}" type="datetimeFigureOut">
               <a:rPr lang="ko-KR" altLang="en-US" smtClean="0"/>
-              <a:t>2022-07-20</a:t>
+              <a:t>2022-07-22</a:t>
             </a:fld>
             <a:endParaRPr lang="ko-KR" altLang="en-US"/>
           </a:p>
@@ -2389,7 +2389,7 @@
           <a:p>
             <a:fld id="{9B32EAF0-FF3A-4BDF-BCB7-82D6812D32E9}" type="datetimeFigureOut">
               <a:rPr lang="ko-KR" altLang="en-US" smtClean="0"/>
-              <a:t>2022-07-20</a:t>
+              <a:t>2022-07-22</a:t>
             </a:fld>
             <a:endParaRPr lang="ko-KR" altLang="en-US"/>
           </a:p>
@@ -2677,7 +2677,7 @@
           <a:p>
             <a:fld id="{9B32EAF0-FF3A-4BDF-BCB7-82D6812D32E9}" type="datetimeFigureOut">
               <a:rPr lang="ko-KR" altLang="en-US" smtClean="0"/>
-              <a:t>2022-07-20</a:t>
+              <a:t>2022-07-22</a:t>
             </a:fld>
             <a:endParaRPr lang="ko-KR" altLang="en-US"/>
           </a:p>
@@ -2918,7 +2918,7 @@
           <a:p>
             <a:fld id="{9B32EAF0-FF3A-4BDF-BCB7-82D6812D32E9}" type="datetimeFigureOut">
               <a:rPr lang="ko-KR" altLang="en-US" smtClean="0"/>
-              <a:t>2022-07-20</a:t>
+              <a:t>2022-07-22</a:t>
             </a:fld>
             <a:endParaRPr lang="ko-KR" altLang="en-US"/>
           </a:p>
@@ -8413,7 +8413,21 @@
                 <a:latin typeface="+mn-ea"/>
                 <a:cs typeface="맑은 고딕" panose="020B0503020000020004" pitchFamily="50" charset="-127"/>
               </a:rPr>
-              <a:t>벤치마킹 요소</a:t>
+              <a:t>벤치마킹 요소 </a:t>
+            </a:r>
+            <a:r>
+              <a:rPr lang="en-US" altLang="ko-KR" sz="2800" kern="0" dirty="0">
+                <a:latin typeface="+mn-ea"/>
+                <a:cs typeface="맑은 고딕" panose="020B0503020000020004" pitchFamily="50" charset="-127"/>
+              </a:rPr>
+              <a:t>– </a:t>
+            </a:r>
+            <a:r>
+              <a:rPr lang="ko-KR" altLang="en-US" sz="2800" kern="0" dirty="0">
+                <a:latin typeface="+mn-ea"/>
+                <a:cs typeface="맑은 고딕" panose="020B0503020000020004" pitchFamily="50" charset="-127"/>
+              </a:rPr>
+              <a:t>음식 시스템</a:t>
             </a:r>
             <a:endParaRPr lang="en-US" altLang="ko-KR" sz="2800" kern="0" dirty="0">
               <a:latin typeface="+mn-ea"/>
@@ -8564,6 +8578,209 @@
           </a:extLst>
         </p:spPr>
       </p:pic>
+      <p:sp>
+        <p:nvSpPr>
+          <p:cNvPr id="13" name="직사각형 12">
+            <a:extLst>
+              <a:ext uri="{FF2B5EF4-FFF2-40B4-BE49-F238E27FC236}">
+                <a16:creationId xmlns:a16="http://schemas.microsoft.com/office/drawing/2014/main" id="{660DF6B8-4CAB-4317-4D6B-302C1DD5A210}"/>
+              </a:ext>
+            </a:extLst>
+          </p:cNvPr>
+          <p:cNvSpPr/>
+          <p:nvPr/>
+        </p:nvSpPr>
+        <p:spPr>
+          <a:xfrm>
+            <a:off x="-117209" y="5525544"/>
+            <a:ext cx="5874197" cy="697627"/>
+          </a:xfrm>
+          <a:prstGeom prst="rect">
+            <a:avLst/>
+          </a:prstGeom>
+        </p:spPr>
+        <p:txBody>
+          <a:bodyPr wrap="square">
+            <a:spAutoFit/>
+          </a:bodyPr>
+          <a:lstStyle/>
+          <a:p>
+            <a:pPr marL="195580" algn="ctr" latinLnBrk="0">
+              <a:spcBef>
+                <a:spcPts val="440"/>
+              </a:spcBef>
+            </a:pPr>
+            <a:r>
+              <a:rPr lang="en-US" altLang="ko-KR" kern="100" dirty="0">
+                <a:latin typeface="+mn-ea"/>
+                <a:cs typeface="Times New Roman" panose="02020603050405020304" pitchFamily="18" charset="0"/>
+              </a:rPr>
+              <a:t>VA-11 HALL-A (Sukeban Games, 2016)</a:t>
+            </a:r>
+          </a:p>
+          <a:p>
+            <a:pPr marL="195580" algn="ctr" latinLnBrk="0">
+              <a:spcBef>
+                <a:spcPts val="440"/>
+              </a:spcBef>
+            </a:pPr>
+            <a:r>
+              <a:rPr lang="ko-KR" altLang="en-US" kern="100" dirty="0">
+                <a:effectLst/>
+                <a:latin typeface="+mn-ea"/>
+                <a:cs typeface="Times New Roman" panose="02020603050405020304" pitchFamily="18" charset="0"/>
+              </a:rPr>
+              <a:t> </a:t>
+            </a:r>
+            <a:r>
+              <a:rPr lang="en-US" altLang="ko-KR" kern="100" dirty="0">
+                <a:effectLst/>
+                <a:latin typeface="+mn-ea"/>
+                <a:cs typeface="Times New Roman" panose="02020603050405020304" pitchFamily="18" charset="0"/>
+                <a:sym typeface="Wingdings" panose="05000000000000000000" pitchFamily="2" charset="2"/>
+              </a:rPr>
+              <a:t> </a:t>
+            </a:r>
+            <a:r>
+              <a:rPr lang="ko-KR" altLang="en-US" kern="100" dirty="0">
+                <a:effectLst/>
+                <a:latin typeface="+mn-ea"/>
+                <a:cs typeface="Times New Roman" panose="02020603050405020304" pitchFamily="18" charset="0"/>
+              </a:rPr>
+              <a:t>음식 조합 시스템</a:t>
+            </a:r>
+            <a:endParaRPr lang="ko-KR" altLang="ko-KR" kern="100" dirty="0">
+              <a:effectLst/>
+              <a:latin typeface="+mn-ea"/>
+              <a:cs typeface="Times New Roman" panose="02020603050405020304" pitchFamily="18" charset="0"/>
+            </a:endParaRPr>
+          </a:p>
+        </p:txBody>
+      </p:sp>
+      <p:sp>
+        <p:nvSpPr>
+          <p:cNvPr id="14" name="직사각형 13">
+            <a:extLst>
+              <a:ext uri="{FF2B5EF4-FFF2-40B4-BE49-F238E27FC236}">
+                <a16:creationId xmlns:a16="http://schemas.microsoft.com/office/drawing/2014/main" id="{606D3978-4951-04CD-E72D-0B69A27A405B}"/>
+              </a:ext>
+            </a:extLst>
+          </p:cNvPr>
+          <p:cNvSpPr/>
+          <p:nvPr/>
+        </p:nvSpPr>
+        <p:spPr>
+          <a:xfrm>
+            <a:off x="5648128" y="5525545"/>
+            <a:ext cx="5874197" cy="697627"/>
+          </a:xfrm>
+          <a:prstGeom prst="rect">
+            <a:avLst/>
+          </a:prstGeom>
+        </p:spPr>
+        <p:txBody>
+          <a:bodyPr wrap="square">
+            <a:spAutoFit/>
+          </a:bodyPr>
+          <a:lstStyle/>
+          <a:p>
+            <a:pPr marL="195580" algn="ctr" latinLnBrk="0">
+              <a:spcBef>
+                <a:spcPts val="440"/>
+              </a:spcBef>
+            </a:pPr>
+            <a:r>
+              <a:rPr lang="en-US" altLang="ko-KR" kern="100" dirty="0">
+                <a:latin typeface="+mn-ea"/>
+                <a:cs typeface="Times New Roman" panose="02020603050405020304" pitchFamily="18" charset="0"/>
+              </a:rPr>
+              <a:t>Coffee</a:t>
+            </a:r>
+            <a:r>
+              <a:rPr lang="ko-KR" altLang="en-US" kern="100" dirty="0">
+                <a:latin typeface="+mn-ea"/>
+                <a:cs typeface="Times New Roman" panose="02020603050405020304" pitchFamily="18" charset="0"/>
+              </a:rPr>
+              <a:t> </a:t>
+            </a:r>
+            <a:r>
+              <a:rPr lang="en-US" altLang="ko-KR" kern="100" dirty="0">
+                <a:latin typeface="+mn-ea"/>
+                <a:cs typeface="Times New Roman" panose="02020603050405020304" pitchFamily="18" charset="0"/>
+              </a:rPr>
+              <a:t>Talk (</a:t>
+            </a:r>
+            <a:r>
+              <a:rPr lang="en-US" altLang="ko-KR" b="0" i="0" dirty="0" err="1">
+                <a:solidFill>
+                  <a:srgbClr val="4D5156"/>
+                </a:solidFill>
+                <a:effectLst/>
+                <a:latin typeface="Apple SD Gothic Neo"/>
+              </a:rPr>
+              <a:t>Toge</a:t>
+            </a:r>
+            <a:r>
+              <a:rPr lang="en-US" altLang="ko-KR" b="0" i="0" dirty="0">
+                <a:solidFill>
+                  <a:srgbClr val="4D5156"/>
+                </a:solidFill>
+                <a:effectLst/>
+                <a:latin typeface="Apple SD Gothic Neo"/>
+              </a:rPr>
+              <a:t> Productions, 2020)</a:t>
+            </a:r>
+            <a:endParaRPr lang="en-US" altLang="ko-KR" kern="100" dirty="0">
+              <a:latin typeface="+mn-ea"/>
+              <a:cs typeface="Times New Roman" panose="02020603050405020304" pitchFamily="18" charset="0"/>
+            </a:endParaRPr>
+          </a:p>
+          <a:p>
+            <a:pPr marL="195580" algn="ctr" latinLnBrk="0">
+              <a:spcBef>
+                <a:spcPts val="440"/>
+              </a:spcBef>
+            </a:pPr>
+            <a:r>
+              <a:rPr lang="en-US" altLang="ko-KR" kern="100" dirty="0">
+                <a:effectLst/>
+                <a:latin typeface="+mn-ea"/>
+                <a:cs typeface="Times New Roman" panose="02020603050405020304" pitchFamily="18" charset="0"/>
+                <a:sym typeface="Wingdings" panose="05000000000000000000" pitchFamily="2" charset="2"/>
+              </a:rPr>
+              <a:t> </a:t>
+            </a:r>
+            <a:r>
+              <a:rPr lang="ko-KR" altLang="en-US" kern="100" dirty="0">
+                <a:effectLst/>
+                <a:latin typeface="+mn-ea"/>
+                <a:cs typeface="Times New Roman" panose="02020603050405020304" pitchFamily="18" charset="0"/>
+              </a:rPr>
+              <a:t>음식 </a:t>
+            </a:r>
+            <a:r>
+              <a:rPr lang="ko-KR" altLang="en-US" kern="100" dirty="0">
+                <a:latin typeface="+mn-ea"/>
+                <a:cs typeface="Times New Roman" panose="02020603050405020304" pitchFamily="18" charset="0"/>
+              </a:rPr>
+              <a:t>주문</a:t>
+            </a:r>
+            <a:r>
+              <a:rPr lang="ko-KR" altLang="en-US" kern="100" dirty="0">
+                <a:effectLst/>
+                <a:latin typeface="+mn-ea"/>
+                <a:cs typeface="Times New Roman" panose="02020603050405020304" pitchFamily="18" charset="0"/>
+              </a:rPr>
+              <a:t> 시스템</a:t>
+            </a:r>
+            <a:endParaRPr lang="ko-KR" altLang="ko-KR" kern="100" dirty="0">
+              <a:effectLst/>
+              <a:latin typeface="+mn-ea"/>
+              <a:cs typeface="Times New Roman" panose="02020603050405020304" pitchFamily="18" charset="0"/>
+            </a:endParaRPr>
+          </a:p>
+        </p:txBody>
+      </p:sp>
     </p:spTree>
     <p:extLst>
       <p:ext uri="{BB962C8B-B14F-4D97-AF65-F5344CB8AC3E}">
